--- a/GameProject/2017748065 이도건 게임제작.pptx
+++ b/GameProject/2017748065 이도건 게임제작.pptx
@@ -9313,8 +9313,8 @@
         </p:nvSpPr>
         <p:spPr>
           <a:xfrm>
-            <a:off x="1736521" y="2390862"/>
-            <a:ext cx="8976220" cy="3139321"/>
+            <a:off x="1607890" y="2134441"/>
+            <a:ext cx="8976220" cy="3693319"/>
           </a:xfrm>
           <a:prstGeom prst="rect">
             <a:avLst/>
@@ -9488,62 +9488,124 @@
           </a:p>
           <a:p>
             <a:r>
-              <a:rPr lang="ko-KR" altLang="en-US" dirty="0" err="1"/>
-              <a:t>깃헙</a:t>
-            </a:r>
-            <a:r>
               <a:rPr lang="ko-KR" altLang="en-US" dirty="0"/>
-              <a:t> </a:t>
+              <a:t>무료폰트 </a:t>
             </a:r>
             <a:r>
               <a:rPr lang="en-US" altLang="ko-KR" dirty="0"/>
               <a:t>- </a:t>
-            </a:r>
-            <a:r>
-              <a:rPr lang="en-US" altLang="ko-KR" dirty="0" err="1">
-                <a:hlinkClick r:id="rId6"/>
-              </a:rPr>
-              <a:t>gameprograming</a:t>
             </a:r>
             <a:r>
               <a:rPr lang="en-US" altLang="ko-KR" dirty="0">
                 <a:hlinkClick r:id="rId6"/>
               </a:rPr>
-              <a:t>/</a:t>
-            </a:r>
-            <a:r>
-              <a:rPr lang="en-US" altLang="ko-KR" dirty="0" err="1">
+              <a:t>[</a:t>
+            </a:r>
+            <a:r>
+              <a:rPr lang="ko-KR" altLang="en-US" dirty="0">
                 <a:hlinkClick r:id="rId6"/>
               </a:rPr>
-              <a:t>GameProject</a:t>
+              <a:t>무료 폰트</a:t>
             </a:r>
             <a:r>
               <a:rPr lang="en-US" altLang="ko-KR" dirty="0">
                 <a:hlinkClick r:id="rId6"/>
               </a:rPr>
-              <a:t> at main · </a:t>
-            </a:r>
-            <a:r>
-              <a:rPr lang="en-US" altLang="ko-KR" dirty="0" err="1">
+              <a:t>] </a:t>
+            </a:r>
+            <a:r>
+              <a:rPr lang="ko-KR" altLang="en-US" dirty="0" err="1">
                 <a:hlinkClick r:id="rId6"/>
               </a:rPr>
-              <a:t>Leedogeon</a:t>
+              <a:t>레몬빙수</a:t>
+            </a:r>
+            <a:r>
+              <a:rPr lang="ko-KR" altLang="en-US" dirty="0">
+                <a:hlinkClick r:id="rId6"/>
+              </a:rPr>
+              <a:t> </a:t>
             </a:r>
             <a:r>
               <a:rPr lang="en-US" altLang="ko-KR" dirty="0">
                 <a:hlinkClick r:id="rId6"/>
               </a:rPr>
-              <a:t>/</a:t>
-            </a:r>
-            <a:r>
-              <a:rPr lang="en-US" altLang="ko-KR" dirty="0" err="1">
+              <a:t>: </a:t>
+            </a:r>
+            <a:r>
+              <a:rPr lang="ko-KR" altLang="en-US" dirty="0">
                 <a:hlinkClick r:id="rId6"/>
               </a:rPr>
-              <a:t>gameprograming</a:t>
+              <a:t>네이버 블로그 </a:t>
             </a:r>
             <a:r>
               <a:rPr lang="en-US" altLang="ko-KR" dirty="0">
                 <a:hlinkClick r:id="rId6"/>
+              </a:rPr>
+              <a:t>(naver.com)</a:t>
+            </a:r>
+            <a:endParaRPr lang="en-US" altLang="ko-KR" dirty="0"/>
+          </a:p>
+          <a:p>
+            <a:endParaRPr lang="en-US" altLang="ko-KR" dirty="0"/>
+          </a:p>
+          <a:p>
+            <a:r>
+              <a:rPr lang="ko-KR" altLang="en-US" dirty="0" err="1"/>
+              <a:t>깃헙</a:t>
+            </a:r>
+            <a:r>
+              <a:rPr lang="ko-KR" altLang="en-US" dirty="0"/>
+              <a:t> </a:t>
+            </a:r>
+            <a:r>
+              <a:rPr lang="en-US" altLang="ko-KR" dirty="0"/>
+              <a:t>- </a:t>
+            </a:r>
+            <a:r>
+              <a:rPr lang="en-US" altLang="ko-KR" dirty="0" err="1">
+                <a:hlinkClick r:id="rId7"/>
+              </a:rPr>
+              <a:t>gameprograming</a:t>
+            </a:r>
+            <a:r>
+              <a:rPr lang="en-US" altLang="ko-KR" dirty="0">
+                <a:hlinkClick r:id="rId7"/>
+              </a:rPr>
+              <a:t>/</a:t>
+            </a:r>
+            <a:r>
+              <a:rPr lang="en-US" altLang="ko-KR" dirty="0" err="1">
+                <a:hlinkClick r:id="rId7"/>
+              </a:rPr>
+              <a:t>GameProject</a:t>
+            </a:r>
+            <a:r>
+              <a:rPr lang="en-US" altLang="ko-KR" dirty="0">
+                <a:hlinkClick r:id="rId7"/>
+              </a:rPr>
+              <a:t> at main · </a:t>
+            </a:r>
+            <a:r>
+              <a:rPr lang="en-US" altLang="ko-KR" dirty="0" err="1">
+                <a:hlinkClick r:id="rId7"/>
+              </a:rPr>
+              <a:t>Leedogeon</a:t>
+            </a:r>
+            <a:r>
+              <a:rPr lang="en-US" altLang="ko-KR" dirty="0">
+                <a:hlinkClick r:id="rId7"/>
+              </a:rPr>
+              <a:t>/</a:t>
+            </a:r>
+            <a:r>
+              <a:rPr lang="en-US" altLang="ko-KR" dirty="0" err="1">
+                <a:hlinkClick r:id="rId7"/>
+              </a:rPr>
+              <a:t>gameprograming</a:t>
+            </a:r>
+            <a:r>
+              <a:rPr lang="en-US" altLang="ko-KR" dirty="0">
+                <a:hlinkClick r:id="rId7"/>
               </a:rPr>
               <a:t> (github.com)</a:t>
             </a:r>

--- a/GameProject/2017748065 이도건 게임제작.pptx
+++ b/GameProject/2017748065 이도건 게임제작.pptx
@@ -470,7 +470,7 @@
             <a:fld id="{B61BEF0D-F0BB-DE4B-95CE-6DB70DBA9567}" type="datetimeFigureOut">
               <a:rPr lang="en-US" dirty="0"/>
               <a:pPr/>
-              <a:t>12/7/2021</a:t>
+              <a:t>12/9/2021</a:t>
             </a:fld>
             <a:endParaRPr lang="en-US" dirty="0"/>
           </a:p>
@@ -791,7 +791,7 @@
             <a:fld id="{B61BEF0D-F0BB-DE4B-95CE-6DB70DBA9567}" type="datetimeFigureOut">
               <a:rPr lang="en-US" dirty="0"/>
               <a:pPr/>
-              <a:t>12/7/2021</a:t>
+              <a:t>12/9/2021</a:t>
             </a:fld>
             <a:endParaRPr lang="en-US" dirty="0"/>
           </a:p>
@@ -1036,7 +1036,7 @@
             <a:fld id="{B61BEF0D-F0BB-DE4B-95CE-6DB70DBA9567}" type="datetimeFigureOut">
               <a:rPr lang="en-US" dirty="0"/>
               <a:pPr/>
-              <a:t>12/7/2021</a:t>
+              <a:t>12/9/2021</a:t>
             </a:fld>
             <a:endParaRPr lang="en-US" dirty="0"/>
           </a:p>
@@ -1372,7 +1372,7 @@
             <a:fld id="{B61BEF0D-F0BB-DE4B-95CE-6DB70DBA9567}" type="datetimeFigureOut">
               <a:rPr lang="en-US" dirty="0"/>
               <a:pPr/>
-              <a:t>12/7/2021</a:t>
+              <a:t>12/9/2021</a:t>
             </a:fld>
             <a:endParaRPr lang="en-US" dirty="0"/>
           </a:p>
@@ -1716,7 +1716,7 @@
             <a:fld id="{B61BEF0D-F0BB-DE4B-95CE-6DB70DBA9567}" type="datetimeFigureOut">
               <a:rPr lang="en-US" dirty="0"/>
               <a:pPr/>
-              <a:t>12/7/2021</a:t>
+              <a:t>12/9/2021</a:t>
             </a:fld>
             <a:endParaRPr lang="en-US" dirty="0"/>
           </a:p>
@@ -2087,7 +2087,7 @@
             <a:fld id="{B61BEF0D-F0BB-DE4B-95CE-6DB70DBA9567}" type="datetimeFigureOut">
               <a:rPr lang="en-US" dirty="0"/>
               <a:pPr/>
-              <a:t>12/7/2021</a:t>
+              <a:t>12/9/2021</a:t>
             </a:fld>
             <a:endParaRPr lang="en-US" dirty="0"/>
           </a:p>
@@ -2554,7 +2554,7 @@
             <a:fld id="{B61BEF0D-F0BB-DE4B-95CE-6DB70DBA9567}" type="datetimeFigureOut">
               <a:rPr lang="en-US" dirty="0"/>
               <a:pPr/>
-              <a:t>12/7/2021</a:t>
+              <a:t>12/9/2021</a:t>
             </a:fld>
             <a:endParaRPr lang="en-US" dirty="0"/>
           </a:p>
@@ -2756,7 +2756,7 @@
             <a:fld id="{B61BEF0D-F0BB-DE4B-95CE-6DB70DBA9567}" type="datetimeFigureOut">
               <a:rPr lang="en-US" dirty="0"/>
               <a:pPr/>
-              <a:t>12/7/2021</a:t>
+              <a:t>12/9/2021</a:t>
             </a:fld>
             <a:endParaRPr lang="en-US" dirty="0"/>
           </a:p>
@@ -2964,7 +2964,7 @@
             <a:fld id="{B61BEF0D-F0BB-DE4B-95CE-6DB70DBA9567}" type="datetimeFigureOut">
               <a:rPr lang="en-US" dirty="0"/>
               <a:pPr/>
-              <a:t>12/7/2021</a:t>
+              <a:t>12/9/2021</a:t>
             </a:fld>
             <a:endParaRPr lang="en-US" dirty="0"/>
           </a:p>
@@ -3192,7 +3192,7 @@
           <a:p>
             <a:fld id="{52647F38-B617-4D2F-AE0A-013F0C4D2C57}" type="datetimeFigureOut">
               <a:rPr lang="en-US" dirty="0"/>
-              <a:t>12/7/2021</a:t>
+              <a:t>12/9/2021</a:t>
             </a:fld>
             <a:endParaRPr lang="en-US" dirty="0"/>
           </a:p>
@@ -3436,7 +3436,7 @@
             <a:fld id="{B61BEF0D-F0BB-DE4B-95CE-6DB70DBA9567}" type="datetimeFigureOut">
               <a:rPr lang="en-US" dirty="0"/>
               <a:pPr/>
-              <a:t>12/7/2021</a:t>
+              <a:t>12/9/2021</a:t>
             </a:fld>
             <a:endParaRPr lang="en-US" dirty="0"/>
           </a:p>
@@ -3730,7 +3730,7 @@
           <a:p>
             <a:fld id="{05BFA754-D5C3-4E66-96A6-867B257F58DC}" type="datetimeFigureOut">
               <a:rPr lang="en-US" dirty="0"/>
-              <a:t>12/7/2021</a:t>
+              <a:t>12/9/2021</a:t>
             </a:fld>
             <a:endParaRPr lang="en-US" dirty="0"/>
           </a:p>
@@ -4120,7 +4120,7 @@
             <a:fld id="{B61BEF0D-F0BB-DE4B-95CE-6DB70DBA9567}" type="datetimeFigureOut">
               <a:rPr lang="en-US" dirty="0"/>
               <a:pPr/>
-              <a:t>12/7/2021</a:t>
+              <a:t>12/9/2021</a:t>
             </a:fld>
             <a:endParaRPr lang="en-US" dirty="0"/>
           </a:p>
@@ -4266,7 +4266,7 @@
             <a:fld id="{B61BEF0D-F0BB-DE4B-95CE-6DB70DBA9567}" type="datetimeFigureOut">
               <a:rPr lang="en-US" dirty="0"/>
               <a:pPr/>
-              <a:t>12/7/2021</a:t>
+              <a:t>12/9/2021</a:t>
             </a:fld>
             <a:endParaRPr lang="en-US" dirty="0"/>
           </a:p>
@@ -4389,7 +4389,7 @@
             <a:fld id="{B61BEF0D-F0BB-DE4B-95CE-6DB70DBA9567}" type="datetimeFigureOut">
               <a:rPr lang="en-US" dirty="0"/>
               <a:pPr/>
-              <a:t>12/7/2021</a:t>
+              <a:t>12/9/2021</a:t>
             </a:fld>
             <a:endParaRPr lang="en-US" dirty="0"/>
           </a:p>
@@ -4641,7 +4641,7 @@
             <a:fld id="{B61BEF0D-F0BB-DE4B-95CE-6DB70DBA9567}" type="datetimeFigureOut">
               <a:rPr lang="en-US" dirty="0"/>
               <a:pPr/>
-              <a:t>12/7/2021</a:t>
+              <a:t>12/9/2021</a:t>
             </a:fld>
             <a:endParaRPr lang="en-US" dirty="0"/>
           </a:p>
@@ -4953,7 +4953,7 @@
             <a:fld id="{B61BEF0D-F0BB-DE4B-95CE-6DB70DBA9567}" type="datetimeFigureOut">
               <a:rPr lang="en-US" dirty="0"/>
               <a:pPr/>
-              <a:t>12/7/2021</a:t>
+              <a:t>12/9/2021</a:t>
             </a:fld>
             <a:endParaRPr lang="en-US" dirty="0"/>
           </a:p>
@@ -5301,7 +5301,7 @@
             <a:fld id="{B61BEF0D-F0BB-DE4B-95CE-6DB70DBA9567}" type="datetimeFigureOut">
               <a:rPr lang="en-US" dirty="0"/>
               <a:pPr/>
-              <a:t>12/7/2021</a:t>
+              <a:t>12/9/2021</a:t>
             </a:fld>
             <a:endParaRPr lang="en-US" dirty="0"/>
           </a:p>
@@ -7621,6 +7621,10 @@
           </a:p>
           <a:p>
             <a:r>
+              <a:rPr lang="en-US" altLang="ko-KR" dirty="0"/>
+              <a:t>19. </a:t>
+            </a:r>
+            <a:r>
               <a:rPr lang="ko-KR" altLang="en-US" dirty="0"/>
               <a:t>무기를 키 하나로 </a:t>
             </a:r>
@@ -7790,7 +7794,7 @@
           <a:p>
             <a:r>
               <a:rPr lang="en-US" altLang="ko-KR" dirty="0"/>
-              <a:t>19. </a:t>
+              <a:t>20. </a:t>
             </a:r>
             <a:r>
               <a:rPr lang="ko-KR" altLang="en-US" dirty="0"/>
@@ -7927,7 +7931,7 @@
           <a:p>
             <a:r>
               <a:rPr lang="en-US" altLang="ko-KR" dirty="0"/>
-              <a:t>20. </a:t>
+              <a:t>21. </a:t>
             </a:r>
             <a:r>
               <a:rPr lang="ko-KR" altLang="en-US" dirty="0"/>
@@ -7944,7 +7948,7 @@
           <a:p>
             <a:r>
               <a:rPr lang="en-US" altLang="ko-KR" dirty="0"/>
-              <a:t>21. </a:t>
+              <a:t>22. </a:t>
             </a:r>
             <a:r>
               <a:rPr lang="ko-KR" altLang="en-US" dirty="0"/>
@@ -8073,7 +8077,7 @@
           <a:p>
             <a:r>
               <a:rPr lang="en-US" altLang="ko-KR" dirty="0"/>
-              <a:t>22. </a:t>
+              <a:t>23. </a:t>
             </a:r>
             <a:r>
               <a:rPr lang="ko-KR" altLang="en-US" dirty="0"/>
@@ -8093,7 +8097,7 @@
           <a:p>
             <a:r>
               <a:rPr lang="en-US" altLang="ko-KR" dirty="0"/>
-              <a:t>23. </a:t>
+              <a:t>24. </a:t>
             </a:r>
             <a:r>
               <a:rPr lang="ko-KR" altLang="en-US" dirty="0" err="1"/>
@@ -8473,7 +8477,7 @@
           <a:p>
             <a:r>
               <a:rPr lang="en-US" altLang="ko-KR" dirty="0"/>
-              <a:t>24. </a:t>
+              <a:t>25. </a:t>
             </a:r>
             <a:r>
               <a:rPr lang="ko-KR" altLang="en-US" dirty="0"/>
@@ -8652,7 +8656,7 @@
           <a:p>
             <a:r>
               <a:rPr lang="en-US" altLang="ko-KR" dirty="0"/>
-              <a:t>25. </a:t>
+              <a:t>26. </a:t>
             </a:r>
             <a:r>
               <a:rPr lang="ko-KR" altLang="en-US" dirty="0"/>
@@ -8811,7 +8815,7 @@
           <a:p>
             <a:r>
               <a:rPr lang="en-US" altLang="ko-KR" dirty="0"/>
-              <a:t>26. </a:t>
+              <a:t>27. </a:t>
             </a:r>
             <a:r>
               <a:rPr lang="ko-KR" altLang="en-US" dirty="0"/>
@@ -8970,7 +8974,7 @@
           <a:p>
             <a:r>
               <a:rPr lang="en-US" altLang="ko-KR" dirty="0"/>
-              <a:t>27.</a:t>
+              <a:t>28.</a:t>
             </a:r>
             <a:r>
               <a:rPr lang="ko-KR" altLang="en-US" dirty="0"/>
@@ -9114,7 +9118,7 @@
           <a:p>
             <a:r>
               <a:rPr lang="en-US" altLang="ko-KR" dirty="0"/>
-              <a:t>28. </a:t>
+              <a:t>29. </a:t>
             </a:r>
             <a:r>
               <a:rPr lang="ko-KR" altLang="en-US" dirty="0"/>
@@ -9186,20 +9190,16 @@
               <a:t>제가 수정</a:t>
             </a:r>
             <a:r>
-              <a:rPr lang="en-US" altLang="ko-KR" sz="4000"/>
+              <a:rPr lang="en-US" altLang="ko-KR" sz="4000" dirty="0"/>
               <a:t>, </a:t>
             </a:r>
             <a:r>
-              <a:rPr lang="ko-KR" altLang="en-US" sz="4000"/>
-              <a:t>추가한 </a:t>
-            </a:r>
-            <a:r>
               <a:rPr lang="ko-KR" altLang="en-US" sz="4000" dirty="0"/>
-              <a:t>것은 </a:t>
+              <a:t>추가한 것은 </a:t>
             </a:r>
             <a:r>
               <a:rPr lang="en-US" altLang="ko-KR" sz="4000" dirty="0"/>
-              <a:t>28</a:t>
+              <a:t>29</a:t>
             </a:r>
             <a:r>
               <a:rPr lang="ko-KR" altLang="en-US" sz="4000" dirty="0"/>
@@ -9218,8 +9218,12 @@
           </a:p>
           <a:p>
             <a:r>
+              <a:rPr lang="ko-KR" altLang="en-US" sz="4000"/>
+              <a:t>제 </a:t>
+            </a:r>
+            <a:r>
               <a:rPr lang="ko-KR" altLang="en-US" sz="4000" dirty="0"/>
-              <a:t>제가 생각하는 제 점수는 </a:t>
+              <a:t>점수는 </a:t>
             </a:r>
             <a:r>
               <a:rPr lang="en-US" altLang="ko-KR" sz="4000" dirty="0"/>
